--- a/얼굴 인식 출석 시스템 계획서.pptx
+++ b/얼굴 인식 출석 시스템 계획서.pptx
@@ -9,7 +9,6 @@
     <p:sldId id="257" r:id="rId3"/>
     <p:sldId id="260" r:id="rId4"/>
     <p:sldId id="261" r:id="rId5"/>
-    <p:sldId id="262" r:id="rId6"/>
   </p:sldIdLst>
   <p:sldSz cx="12192000" cy="6858000"/>
   <p:notesSz cx="6858000" cy="9144000"/>
@@ -8447,1603 +8446,6 @@
 </p:sld>
 </file>
 
-<file path=ppt/slides/slide5.xml><?xml version="1.0" encoding="utf-8"?>
-<p:sld xmlns:r="http://schemas.openxmlformats.org/officeDocument/2006/relationships" xmlns:c="http://schemas.openxmlformats.org/drawingml/2006/chart" xmlns:a="http://schemas.openxmlformats.org/drawingml/2006/main" xmlns:dgm="http://schemas.openxmlformats.org/drawingml/2006/diagram" xmlns:dsp="http://schemas.microsoft.com/office/drawing/2008/diagram" xmlns:p="http://schemas.openxmlformats.org/presentationml/2006/main">
-  <p:cSld>
-    <p:spTree>
-      <p:nvGrpSpPr>
-        <p:cNvPr id="1" name=""/>
-        <p:cNvGrpSpPr/>
-        <p:nvPr/>
-      </p:nvGrpSpPr>
-      <p:grpSpPr>
-        <a:xfrm>
-          <a:off x="0" y="0"/>
-          <a:ext cx="0" cy="0"/>
-          <a:chOff x="0" y="0"/>
-          <a:chExt cx="0" cy="0"/>
-        </a:xfrm>
-      </p:grpSpPr>
-      <p:sp>
-        <p:nvSpPr>
-          <p:cNvPr id="4" name="제목 3"/>
-          <p:cNvSpPr>
-            <a:spLocks noGrp="1"/>
-          </p:cNvSpPr>
-          <p:nvPr>
-            <p:ph type="title" idx="0"/>
-          </p:nvPr>
-        </p:nvSpPr>
-        <p:spPr/>
-        <p:txBody>
-          <a:bodyPr/>
-          <a:lstStyle/>
-          <a:p>
-            <a:pPr lvl="0">
-              <a:defRPr/>
-            </a:pPr>
-            <a:r>
-              <a:rPr lang="ko-KR" altLang="en-US"/>
-              <a:t>글상자</a:t>
-            </a:r>
-            <a:endParaRPr lang="ko-KR" altLang="en-US"/>
-          </a:p>
-        </p:txBody>
-      </p:sp>
-      <p:cxnSp>
-        <p:nvCxnSpPr>
-          <p:cNvPr id="14" name="직선 연결선 13"/>
-          <p:cNvCxnSpPr/>
-          <p:nvPr/>
-        </p:nvCxnSpPr>
-        <p:spPr>
-          <a:xfrm>
-            <a:off x="1666844" y="3910778"/>
-            <a:ext cx="8712000" cy="1588"/>
-          </a:xfrm>
-          <a:prstGeom prst="line">
-            <a:avLst/>
-          </a:prstGeom>
-          <a:ln w="28575" cmpd="sng">
-            <a:gradFill>
-              <a:gsLst>
-                <a:gs pos="0">
-                  <a:schemeClr val="tx1">
-                    <a:lumMod val="75000"/>
-                    <a:lumOff val="25000"/>
-                    <a:alpha val="0"/>
-                  </a:schemeClr>
-                </a:gs>
-                <a:gs pos="50000">
-                  <a:schemeClr val="tx1">
-                    <a:lumMod val="75000"/>
-                    <a:lumOff val="25000"/>
-                  </a:schemeClr>
-                </a:gs>
-                <a:gs pos="100000">
-                  <a:schemeClr val="tx1">
-                    <a:lumMod val="75000"/>
-                    <a:lumOff val="25000"/>
-                    <a:alpha val="0"/>
-                  </a:schemeClr>
-                </a:gs>
-              </a:gsLst>
-              <a:lin ang="0" scaled="0"/>
-            </a:gradFill>
-          </a:ln>
-          <a:effectLst>
-            <a:outerShdw blurRad="38100" dist="12700" dir="16200000" rotWithShape="0">
-              <a:prstClr val="black">
-                <a:alpha val="40000"/>
-              </a:prstClr>
-            </a:outerShdw>
-          </a:effectLst>
-        </p:spPr>
-        <p:style>
-          <a:lnRef idx="1">
-            <a:schemeClr val="accent1"/>
-          </a:lnRef>
-          <a:fillRef idx="0">
-            <a:schemeClr val="accent1"/>
-          </a:fillRef>
-          <a:effectRef idx="0">
-            <a:schemeClr val="accent1"/>
-          </a:effectRef>
-          <a:fontRef idx="minor">
-            <a:schemeClr val="tx1"/>
-          </a:fontRef>
-        </p:style>
-      </p:cxnSp>
-      <p:grpSp>
-        <p:nvGrpSpPr>
-          <p:cNvPr id="2" name="그룹 42"/>
-          <p:cNvGrpSpPr/>
-          <p:nvPr/>
-        </p:nvGrpSpPr>
-        <p:grpSpPr>
-          <a:xfrm rot="0">
-            <a:off x="4587865" y="1862123"/>
-            <a:ext cx="1836000" cy="1566877"/>
-            <a:chOff x="3063865" y="1862123"/>
-            <a:chExt cx="1836000" cy="1566877"/>
-          </a:xfrm>
-        </p:grpSpPr>
-        <p:sp>
-          <p:nvSpPr>
-            <p:cNvPr id="862" name="직사각형 861"/>
-            <p:cNvSpPr/>
-            <p:nvPr/>
-          </p:nvSpPr>
-          <p:spPr>
-            <a:xfrm>
-              <a:off x="3063865" y="2089800"/>
-              <a:ext cx="1836000" cy="1339200"/>
-            </a:xfrm>
-            <a:prstGeom prst="rect">
-              <a:avLst/>
-            </a:prstGeom>
-            <a:solidFill>
-              <a:schemeClr val="tx1"/>
-            </a:solidFill>
-            <a:ln w="12700">
-              <a:solidFill>
-                <a:schemeClr val="accent3">
-                  <a:lumMod val="60000"/>
-                  <a:lumOff val="40000"/>
-                </a:schemeClr>
-              </a:solidFill>
-            </a:ln>
-          </p:spPr>
-          <p:style>
-            <a:lnRef idx="2">
-              <a:schemeClr val="accent1">
-                <a:shade val="50000"/>
-              </a:schemeClr>
-            </a:lnRef>
-            <a:fillRef idx="1">
-              <a:schemeClr val="accent1"/>
-            </a:fillRef>
-            <a:effectRef idx="0">
-              <a:schemeClr val="accent1"/>
-            </a:effectRef>
-            <a:fontRef idx="minor">
-              <a:schemeClr val="lt1"/>
-            </a:fontRef>
-          </p:style>
-          <p:txBody>
-            <a:bodyPr lIns="108000" tIns="108000" anchor="t"/>
-            <a:lstStyle/>
-            <a:p>
-              <a:pPr marL="180022" lvl="0" indent="-180022">
-                <a:buFont typeface="Arial"/>
-                <a:buChar char="›"/>
-                <a:defRPr/>
-              </a:pPr>
-              <a:r>
-                <a:rPr lang="ko-KR" altLang="en-US">
-                  <a:solidFill>
-                    <a:schemeClr val="accent3"/>
-                  </a:solidFill>
-                </a:rPr>
-                <a:t>내용</a:t>
-              </a:r>
-              <a:endParaRPr lang="ko-KR" altLang="en-US">
-                <a:solidFill>
-                  <a:schemeClr val="accent3"/>
-                </a:solidFill>
-              </a:endParaRPr>
-            </a:p>
-          </p:txBody>
-        </p:sp>
-        <p:grpSp>
-          <p:nvGrpSpPr>
-            <p:cNvPr id="3" name="그룹 65"/>
-            <p:cNvGrpSpPr/>
-            <p:nvPr/>
-          </p:nvGrpSpPr>
-          <p:grpSpPr>
-            <a:xfrm rot="0">
-              <a:off x="3063865" y="1862123"/>
-              <a:ext cx="1836000" cy="285752"/>
-              <a:chOff x="3063865" y="1862123"/>
-              <a:chExt cx="1836000" cy="285752"/>
-            </a:xfrm>
-          </p:grpSpPr>
-          <p:sp>
-            <p:nvSpPr>
-              <p:cNvPr id="27" name="직사각형 26"/>
-              <p:cNvSpPr/>
-              <p:nvPr/>
-            </p:nvSpPr>
-            <p:spPr>
-              <a:xfrm>
-                <a:off x="3063865" y="1862123"/>
-                <a:ext cx="1836000" cy="285752"/>
-              </a:xfrm>
-              <a:prstGeom prst="rect">
-                <a:avLst/>
-              </a:prstGeom>
-              <a:gradFill>
-                <a:gsLst>
-                  <a:gs pos="0">
-                    <a:schemeClr val="accent3">
-                      <a:lumMod val="60000"/>
-                      <a:lumOff val="40000"/>
-                    </a:schemeClr>
-                  </a:gs>
-                  <a:gs pos="100000">
-                    <a:schemeClr val="accent3"/>
-                  </a:gs>
-                </a:gsLst>
-                <a:lin ang="5400000" scaled="0"/>
-              </a:gradFill>
-              <a:ln w="12700">
-                <a:solidFill>
-                  <a:schemeClr val="accent3">
-                    <a:lumMod val="60000"/>
-                    <a:lumOff val="40000"/>
-                  </a:schemeClr>
-                </a:solidFill>
-              </a:ln>
-              <a:effectLst/>
-            </p:spPr>
-            <p:style>
-              <a:lnRef idx="2">
-                <a:schemeClr val="accent1">
-                  <a:shade val="50000"/>
-                </a:schemeClr>
-              </a:lnRef>
-              <a:fillRef idx="1">
-                <a:schemeClr val="accent1"/>
-              </a:fillRef>
-              <a:effectRef idx="0">
-                <a:schemeClr val="accent1"/>
-              </a:effectRef>
-              <a:fontRef idx="minor">
-                <a:schemeClr val="lt1"/>
-              </a:fontRef>
-            </p:style>
-          </p:sp>
-          <p:sp>
-            <p:nvSpPr>
-              <p:cNvPr id="29" name="직각 삼각형 28"/>
-              <p:cNvSpPr/>
-              <p:nvPr/>
-            </p:nvSpPr>
-            <p:spPr>
-              <a:xfrm rot="5400000">
-                <a:off x="3698864" y="1227124"/>
-                <a:ext cx="230200" cy="1500198"/>
-              </a:xfrm>
-              <a:prstGeom prst="rtTriangle">
-                <a:avLst/>
-              </a:prstGeom>
-              <a:gradFill>
-                <a:gsLst>
-                  <a:gs pos="0">
-                    <a:srgbClr val="ffffff">
-                      <a:alpha val="84710"/>
-                    </a:srgbClr>
-                  </a:gs>
-                  <a:gs pos="30000">
-                    <a:srgbClr val="ffffff">
-                      <a:alpha val="20000"/>
-                    </a:srgbClr>
-                  </a:gs>
-                  <a:gs pos="50000">
-                    <a:srgbClr val="ffffff">
-                      <a:alpha val="0"/>
-                    </a:srgbClr>
-                  </a:gs>
-                  <a:gs pos="100000">
-                    <a:srgbClr val="ffffff">
-                      <a:alpha val="0"/>
-                    </a:srgbClr>
-                  </a:gs>
-                </a:gsLst>
-                <a:lin ang="20400000" scaled="0"/>
-              </a:gradFill>
-              <a:ln>
-                <a:noFill/>
-              </a:ln>
-            </p:spPr>
-            <p:style>
-              <a:lnRef idx="2">
-                <a:schemeClr val="accent1">
-                  <a:shade val="50000"/>
-                </a:schemeClr>
-              </a:lnRef>
-              <a:fillRef idx="1">
-                <a:schemeClr val="accent1"/>
-              </a:fillRef>
-              <a:effectRef idx="0">
-                <a:schemeClr val="accent1"/>
-              </a:effectRef>
-              <a:fontRef idx="minor">
-                <a:schemeClr val="lt1"/>
-              </a:fontRef>
-            </p:style>
-          </p:sp>
-        </p:grpSp>
-      </p:grpSp>
-      <p:grpSp>
-        <p:nvGrpSpPr>
-          <p:cNvPr id="5" name="그룹 44"/>
-          <p:cNvGrpSpPr/>
-          <p:nvPr/>
-        </p:nvGrpSpPr>
-        <p:grpSpPr>
-          <a:xfrm rot="0">
-            <a:off x="6474833" y="1862123"/>
-            <a:ext cx="1836000" cy="1566877"/>
-            <a:chOff x="4950833" y="1862123"/>
-            <a:chExt cx="1836000" cy="1566877"/>
-          </a:xfrm>
-        </p:grpSpPr>
-        <p:sp>
-          <p:nvSpPr>
-            <p:cNvPr id="870" name="직사각형 869"/>
-            <p:cNvSpPr/>
-            <p:nvPr/>
-          </p:nvSpPr>
-          <p:spPr>
-            <a:xfrm>
-              <a:off x="4950833" y="2089800"/>
-              <a:ext cx="1836000" cy="1339200"/>
-            </a:xfrm>
-            <a:prstGeom prst="rect">
-              <a:avLst/>
-            </a:prstGeom>
-            <a:solidFill>
-              <a:schemeClr val="tx1"/>
-            </a:solidFill>
-            <a:ln w="12700">
-              <a:solidFill>
-                <a:schemeClr val="accent3">
-                  <a:lumMod val="60000"/>
-                  <a:lumOff val="40000"/>
-                </a:schemeClr>
-              </a:solidFill>
-            </a:ln>
-          </p:spPr>
-          <p:style>
-            <a:lnRef idx="2">
-              <a:schemeClr val="accent1">
-                <a:shade val="50000"/>
-              </a:schemeClr>
-            </a:lnRef>
-            <a:fillRef idx="1">
-              <a:schemeClr val="accent1"/>
-            </a:fillRef>
-            <a:effectRef idx="0">
-              <a:schemeClr val="accent1"/>
-            </a:effectRef>
-            <a:fontRef idx="minor">
-              <a:schemeClr val="lt1"/>
-            </a:fontRef>
-          </p:style>
-        </p:sp>
-        <p:grpSp>
-          <p:nvGrpSpPr>
-            <p:cNvPr id="6" name="그룹 64"/>
-            <p:cNvGrpSpPr/>
-            <p:nvPr/>
-          </p:nvGrpSpPr>
-          <p:grpSpPr>
-            <a:xfrm rot="0">
-              <a:off x="4950833" y="1862123"/>
-              <a:ext cx="1836000" cy="285752"/>
-              <a:chOff x="4950833" y="1862123"/>
-              <a:chExt cx="1836000" cy="285752"/>
-            </a:xfrm>
-          </p:grpSpPr>
-          <p:sp>
-            <p:nvSpPr>
-              <p:cNvPr id="32" name="직사각형 31"/>
-              <p:cNvSpPr/>
-              <p:nvPr/>
-            </p:nvSpPr>
-            <p:spPr>
-              <a:xfrm>
-                <a:off x="4950833" y="1862123"/>
-                <a:ext cx="1836000" cy="285752"/>
-              </a:xfrm>
-              <a:prstGeom prst="rect">
-                <a:avLst/>
-              </a:prstGeom>
-              <a:gradFill>
-                <a:gsLst>
-                  <a:gs pos="0">
-                    <a:schemeClr val="accent3">
-                      <a:lumMod val="60000"/>
-                      <a:lumOff val="40000"/>
-                    </a:schemeClr>
-                  </a:gs>
-                  <a:gs pos="100000">
-                    <a:schemeClr val="accent3"/>
-                  </a:gs>
-                </a:gsLst>
-                <a:lin ang="5400000" scaled="0"/>
-              </a:gradFill>
-              <a:ln w="12700">
-                <a:solidFill>
-                  <a:schemeClr val="accent3">
-                    <a:lumMod val="60000"/>
-                    <a:lumOff val="40000"/>
-                  </a:schemeClr>
-                </a:solidFill>
-              </a:ln>
-              <a:effectLst/>
-            </p:spPr>
-            <p:style>
-              <a:lnRef idx="2">
-                <a:schemeClr val="accent1">
-                  <a:shade val="50000"/>
-                </a:schemeClr>
-              </a:lnRef>
-              <a:fillRef idx="1">
-                <a:schemeClr val="accent1"/>
-              </a:fillRef>
-              <a:effectRef idx="0">
-                <a:schemeClr val="accent1"/>
-              </a:effectRef>
-              <a:fontRef idx="minor">
-                <a:schemeClr val="lt1"/>
-              </a:fontRef>
-            </p:style>
-          </p:sp>
-          <p:sp>
-            <p:nvSpPr>
-              <p:cNvPr id="33" name="직각 삼각형 32"/>
-              <p:cNvSpPr/>
-              <p:nvPr/>
-            </p:nvSpPr>
-            <p:spPr>
-              <a:xfrm rot="5400000">
-                <a:off x="5585832" y="1227124"/>
-                <a:ext cx="230200" cy="1500198"/>
-              </a:xfrm>
-              <a:prstGeom prst="rtTriangle">
-                <a:avLst/>
-              </a:prstGeom>
-              <a:gradFill>
-                <a:gsLst>
-                  <a:gs pos="0">
-                    <a:srgbClr val="ffffff">
-                      <a:alpha val="84710"/>
-                    </a:srgbClr>
-                  </a:gs>
-                  <a:gs pos="30000">
-                    <a:srgbClr val="ffffff">
-                      <a:alpha val="20000"/>
-                    </a:srgbClr>
-                  </a:gs>
-                  <a:gs pos="50000">
-                    <a:srgbClr val="ffffff">
-                      <a:alpha val="0"/>
-                    </a:srgbClr>
-                  </a:gs>
-                  <a:gs pos="100000">
-                    <a:srgbClr val="ffffff">
-                      <a:alpha val="0"/>
-                    </a:srgbClr>
-                  </a:gs>
-                </a:gsLst>
-                <a:lin ang="20400000" scaled="0"/>
-              </a:gradFill>
-              <a:ln>
-                <a:noFill/>
-              </a:ln>
-            </p:spPr>
-            <p:style>
-              <a:lnRef idx="2">
-                <a:schemeClr val="accent1">
-                  <a:shade val="50000"/>
-                </a:schemeClr>
-              </a:lnRef>
-              <a:fillRef idx="1">
-                <a:schemeClr val="accent1"/>
-              </a:fillRef>
-              <a:effectRef idx="0">
-                <a:schemeClr val="accent1"/>
-              </a:effectRef>
-              <a:fontRef idx="minor">
-                <a:schemeClr val="lt1"/>
-              </a:fontRef>
-            </p:style>
-          </p:sp>
-        </p:grpSp>
-      </p:grpSp>
-      <p:grpSp>
-        <p:nvGrpSpPr>
-          <p:cNvPr id="8" name="그룹 45"/>
-          <p:cNvGrpSpPr/>
-          <p:nvPr/>
-        </p:nvGrpSpPr>
-        <p:grpSpPr>
-          <a:xfrm rot="0">
-            <a:off x="8379035" y="1862123"/>
-            <a:ext cx="1836000" cy="1566877"/>
-            <a:chOff x="6855035" y="1862123"/>
-            <a:chExt cx="1836000" cy="1566877"/>
-          </a:xfrm>
-        </p:grpSpPr>
-        <p:sp>
-          <p:nvSpPr>
-            <p:cNvPr id="876" name="직사각형 875"/>
-            <p:cNvSpPr/>
-            <p:nvPr/>
-          </p:nvSpPr>
-          <p:spPr>
-            <a:xfrm>
-              <a:off x="6855035" y="2089800"/>
-              <a:ext cx="1836000" cy="1339200"/>
-            </a:xfrm>
-            <a:prstGeom prst="rect">
-              <a:avLst/>
-            </a:prstGeom>
-            <a:solidFill>
-              <a:schemeClr val="tx1"/>
-            </a:solidFill>
-            <a:ln w="12700">
-              <a:solidFill>
-                <a:schemeClr val="accent3">
-                  <a:lumMod val="60000"/>
-                  <a:lumOff val="40000"/>
-                </a:schemeClr>
-              </a:solidFill>
-            </a:ln>
-          </p:spPr>
-          <p:style>
-            <a:lnRef idx="2">
-              <a:schemeClr val="accent1">
-                <a:shade val="50000"/>
-              </a:schemeClr>
-            </a:lnRef>
-            <a:fillRef idx="1">
-              <a:schemeClr val="accent1"/>
-            </a:fillRef>
-            <a:effectRef idx="0">
-              <a:schemeClr val="accent1"/>
-            </a:effectRef>
-            <a:fontRef idx="minor">
-              <a:schemeClr val="lt1"/>
-            </a:fontRef>
-          </p:style>
-        </p:sp>
-        <p:grpSp>
-          <p:nvGrpSpPr>
-            <p:cNvPr id="9" name="그룹 63"/>
-            <p:cNvGrpSpPr/>
-            <p:nvPr/>
-          </p:nvGrpSpPr>
-          <p:grpSpPr>
-            <a:xfrm rot="0">
-              <a:off x="6855035" y="1862123"/>
-              <a:ext cx="1836000" cy="285752"/>
-              <a:chOff x="6855035" y="1862123"/>
-              <a:chExt cx="1836000" cy="285752"/>
-            </a:xfrm>
-          </p:grpSpPr>
-          <p:sp>
-            <p:nvSpPr>
-              <p:cNvPr id="35" name="직사각형 34"/>
-              <p:cNvSpPr/>
-              <p:nvPr/>
-            </p:nvSpPr>
-            <p:spPr>
-              <a:xfrm>
-                <a:off x="6855035" y="1862123"/>
-                <a:ext cx="1836000" cy="285752"/>
-              </a:xfrm>
-              <a:prstGeom prst="rect">
-                <a:avLst/>
-              </a:prstGeom>
-              <a:gradFill>
-                <a:gsLst>
-                  <a:gs pos="0">
-                    <a:schemeClr val="accent3">
-                      <a:lumMod val="60000"/>
-                      <a:lumOff val="40000"/>
-                    </a:schemeClr>
-                  </a:gs>
-                  <a:gs pos="100000">
-                    <a:schemeClr val="accent3"/>
-                  </a:gs>
-                </a:gsLst>
-                <a:lin ang="5400000" scaled="0"/>
-              </a:gradFill>
-              <a:ln w="12700">
-                <a:solidFill>
-                  <a:schemeClr val="accent3">
-                    <a:lumMod val="60000"/>
-                    <a:lumOff val="40000"/>
-                  </a:schemeClr>
-                </a:solidFill>
-              </a:ln>
-              <a:effectLst/>
-            </p:spPr>
-            <p:style>
-              <a:lnRef idx="2">
-                <a:schemeClr val="accent1">
-                  <a:shade val="50000"/>
-                </a:schemeClr>
-              </a:lnRef>
-              <a:fillRef idx="1">
-                <a:schemeClr val="accent1"/>
-              </a:fillRef>
-              <a:effectRef idx="0">
-                <a:schemeClr val="accent1"/>
-              </a:effectRef>
-              <a:fontRef idx="minor">
-                <a:schemeClr val="lt1"/>
-              </a:fontRef>
-            </p:style>
-          </p:sp>
-          <p:sp>
-            <p:nvSpPr>
-              <p:cNvPr id="36" name="직각 삼각형 35"/>
-              <p:cNvSpPr/>
-              <p:nvPr/>
-            </p:nvSpPr>
-            <p:spPr>
-              <a:xfrm rot="5400000">
-                <a:off x="7490034" y="1227124"/>
-                <a:ext cx="230200" cy="1500198"/>
-              </a:xfrm>
-              <a:prstGeom prst="rtTriangle">
-                <a:avLst/>
-              </a:prstGeom>
-              <a:gradFill>
-                <a:gsLst>
-                  <a:gs pos="0">
-                    <a:srgbClr val="ffffff">
-                      <a:alpha val="84710"/>
-                    </a:srgbClr>
-                  </a:gs>
-                  <a:gs pos="30000">
-                    <a:srgbClr val="ffffff">
-                      <a:alpha val="20000"/>
-                    </a:srgbClr>
-                  </a:gs>
-                  <a:gs pos="50000">
-                    <a:srgbClr val="ffffff">
-                      <a:alpha val="0"/>
-                    </a:srgbClr>
-                  </a:gs>
-                  <a:gs pos="100000">
-                    <a:srgbClr val="ffffff">
-                      <a:alpha val="0"/>
-                    </a:srgbClr>
-                  </a:gs>
-                </a:gsLst>
-                <a:lin ang="20400000" scaled="0"/>
-              </a:gradFill>
-              <a:ln>
-                <a:noFill/>
-              </a:ln>
-            </p:spPr>
-            <p:style>
-              <a:lnRef idx="2">
-                <a:schemeClr val="accent1">
-                  <a:shade val="50000"/>
-                </a:schemeClr>
-              </a:lnRef>
-              <a:fillRef idx="1">
-                <a:schemeClr val="accent1"/>
-              </a:fillRef>
-              <a:effectRef idx="0">
-                <a:schemeClr val="accent1"/>
-              </a:effectRef>
-              <a:fontRef idx="minor">
-                <a:schemeClr val="lt1"/>
-              </a:fontRef>
-            </p:style>
-          </p:sp>
-        </p:grpSp>
-      </p:grpSp>
-      <p:grpSp>
-        <p:nvGrpSpPr>
-          <p:cNvPr id="10" name="그룹 46"/>
-          <p:cNvGrpSpPr/>
-          <p:nvPr/>
-        </p:nvGrpSpPr>
-        <p:grpSpPr>
-          <a:xfrm rot="0">
-            <a:off x="4575034" y="4367219"/>
-            <a:ext cx="1836000" cy="1560813"/>
-            <a:chOff x="3051034" y="4367219"/>
-            <a:chExt cx="1836000" cy="1560813"/>
-          </a:xfrm>
-        </p:grpSpPr>
-        <p:sp>
-          <p:nvSpPr>
-            <p:cNvPr id="851" name="직사각형 850"/>
-            <p:cNvSpPr/>
-            <p:nvPr/>
-          </p:nvSpPr>
-          <p:spPr>
-            <a:xfrm>
-              <a:off x="3051034" y="4588832"/>
-              <a:ext cx="1836000" cy="1339200"/>
-            </a:xfrm>
-            <a:prstGeom prst="rect">
-              <a:avLst/>
-            </a:prstGeom>
-            <a:solidFill>
-              <a:schemeClr val="tx1"/>
-            </a:solidFill>
-            <a:ln w="12700">
-              <a:solidFill>
-                <a:schemeClr val="bg2"/>
-              </a:solidFill>
-            </a:ln>
-          </p:spPr>
-          <p:style>
-            <a:lnRef idx="2">
-              <a:schemeClr val="accent1">
-                <a:shade val="50000"/>
-              </a:schemeClr>
-            </a:lnRef>
-            <a:fillRef idx="1">
-              <a:schemeClr val="accent1"/>
-            </a:fillRef>
-            <a:effectRef idx="0">
-              <a:schemeClr val="accent1"/>
-            </a:effectRef>
-            <a:fontRef idx="minor">
-              <a:schemeClr val="lt1"/>
-            </a:fontRef>
-          </p:style>
-          <p:txBody>
-            <a:bodyPr lIns="108000" tIns="108000" anchor="t"/>
-            <a:lstStyle/>
-            <a:p>
-              <a:pPr marL="180022" lvl="0" indent="-180022">
-                <a:buClr>
-                  <a:schemeClr val="bg2"/>
-                </a:buClr>
-                <a:buFont typeface="Arial"/>
-                <a:buChar char="›"/>
-                <a:defRPr/>
-              </a:pPr>
-              <a:r>
-                <a:rPr lang="ko-KR" altLang="en-US">
-                  <a:solidFill>
-                    <a:schemeClr val="bg2"/>
-                  </a:solidFill>
-                </a:rPr>
-                <a:t>내용</a:t>
-              </a:r>
-              <a:endParaRPr lang="ko-KR" altLang="en-US">
-                <a:solidFill>
-                  <a:schemeClr val="bg2"/>
-                </a:solidFill>
-              </a:endParaRPr>
-            </a:p>
-          </p:txBody>
-        </p:sp>
-        <p:grpSp>
-          <p:nvGrpSpPr>
-            <p:cNvPr id="12" name="그룹 66"/>
-            <p:cNvGrpSpPr/>
-            <p:nvPr/>
-          </p:nvGrpSpPr>
-          <p:grpSpPr>
-            <a:xfrm rot="0">
-              <a:off x="3051034" y="4367219"/>
-              <a:ext cx="1836000" cy="285752"/>
-              <a:chOff x="3051034" y="4367219"/>
-              <a:chExt cx="1836000" cy="285752"/>
-            </a:xfrm>
-          </p:grpSpPr>
-          <p:sp>
-            <p:nvSpPr>
-              <p:cNvPr id="38" name="직사각형 37"/>
-              <p:cNvSpPr/>
-              <p:nvPr/>
-            </p:nvSpPr>
-            <p:spPr>
-              <a:xfrm>
-                <a:off x="3051034" y="4367219"/>
-                <a:ext cx="1836000" cy="285752"/>
-              </a:xfrm>
-              <a:prstGeom prst="rect">
-                <a:avLst/>
-              </a:prstGeom>
-              <a:gradFill flip="none" rotWithShape="1">
-                <a:gsLst>
-                  <a:gs pos="0">
-                    <a:schemeClr val="bg2"/>
-                  </a:gs>
-                  <a:gs pos="100000">
-                    <a:schemeClr val="bg2">
-                      <a:lumMod val="50000"/>
-                    </a:schemeClr>
-                  </a:gs>
-                </a:gsLst>
-                <a:lin ang="5400000" scaled="1"/>
-                <a:tileRect/>
-              </a:gradFill>
-              <a:ln w="12700">
-                <a:solidFill>
-                  <a:schemeClr val="bg2"/>
-                </a:solidFill>
-              </a:ln>
-              <a:effectLst/>
-            </p:spPr>
-            <p:style>
-              <a:lnRef idx="2">
-                <a:schemeClr val="accent1">
-                  <a:shade val="50000"/>
-                </a:schemeClr>
-              </a:lnRef>
-              <a:fillRef idx="1">
-                <a:schemeClr val="accent1"/>
-              </a:fillRef>
-              <a:effectRef idx="0">
-                <a:schemeClr val="accent1"/>
-              </a:effectRef>
-              <a:fontRef idx="minor">
-                <a:schemeClr val="lt1"/>
-              </a:fontRef>
-            </p:style>
-          </p:sp>
-          <p:sp>
-            <p:nvSpPr>
-              <p:cNvPr id="37" name="직각 삼각형 36"/>
-              <p:cNvSpPr/>
-              <p:nvPr/>
-            </p:nvSpPr>
-            <p:spPr>
-              <a:xfrm rot="5400000">
-                <a:off x="3686033" y="3732220"/>
-                <a:ext cx="230200" cy="1500198"/>
-              </a:xfrm>
-              <a:prstGeom prst="rtTriangle">
-                <a:avLst/>
-              </a:prstGeom>
-              <a:gradFill>
-                <a:gsLst>
-                  <a:gs pos="0">
-                    <a:srgbClr val="ffffff">
-                      <a:alpha val="84710"/>
-                    </a:srgbClr>
-                  </a:gs>
-                  <a:gs pos="30000">
-                    <a:srgbClr val="ffffff">
-                      <a:alpha val="20000"/>
-                    </a:srgbClr>
-                  </a:gs>
-                  <a:gs pos="50000">
-                    <a:srgbClr val="ffffff">
-                      <a:alpha val="0"/>
-                    </a:srgbClr>
-                  </a:gs>
-                  <a:gs pos="100000">
-                    <a:srgbClr val="ffffff">
-                      <a:alpha val="0"/>
-                    </a:srgbClr>
-                  </a:gs>
-                </a:gsLst>
-                <a:lin ang="20400000" scaled="0"/>
-              </a:gradFill>
-              <a:ln>
-                <a:noFill/>
-              </a:ln>
-            </p:spPr>
-            <p:style>
-              <a:lnRef idx="2">
-                <a:schemeClr val="accent1">
-                  <a:shade val="50000"/>
-                </a:schemeClr>
-              </a:lnRef>
-              <a:fillRef idx="1">
-                <a:schemeClr val="accent1"/>
-              </a:fillRef>
-              <a:effectRef idx="0">
-                <a:schemeClr val="accent1"/>
-              </a:effectRef>
-              <a:fontRef idx="minor">
-                <a:schemeClr val="lt1"/>
-              </a:fontRef>
-            </p:style>
-          </p:sp>
-        </p:grpSp>
-      </p:grpSp>
-      <p:grpSp>
-        <p:nvGrpSpPr>
-          <p:cNvPr id="13" name="그룹 47"/>
-          <p:cNvGrpSpPr/>
-          <p:nvPr/>
-        </p:nvGrpSpPr>
-        <p:grpSpPr>
-          <a:xfrm rot="0">
-            <a:off x="6478767" y="4367219"/>
-            <a:ext cx="1836000" cy="1560813"/>
-            <a:chOff x="4954767" y="4367219"/>
-            <a:chExt cx="1836000" cy="1560813"/>
-          </a:xfrm>
-        </p:grpSpPr>
-        <p:sp>
-          <p:nvSpPr>
-            <p:cNvPr id="867" name="직사각형 866"/>
-            <p:cNvSpPr/>
-            <p:nvPr/>
-          </p:nvSpPr>
-          <p:spPr>
-            <a:xfrm>
-              <a:off x="4954767" y="4588832"/>
-              <a:ext cx="1836000" cy="1339200"/>
-            </a:xfrm>
-            <a:prstGeom prst="rect">
-              <a:avLst/>
-            </a:prstGeom>
-            <a:solidFill>
-              <a:schemeClr val="tx1"/>
-            </a:solidFill>
-            <a:ln w="12700">
-              <a:solidFill>
-                <a:schemeClr val="bg2"/>
-              </a:solidFill>
-            </a:ln>
-          </p:spPr>
-          <p:style>
-            <a:lnRef idx="2">
-              <a:schemeClr val="accent1">
-                <a:shade val="50000"/>
-              </a:schemeClr>
-            </a:lnRef>
-            <a:fillRef idx="1">
-              <a:schemeClr val="accent1"/>
-            </a:fillRef>
-            <a:effectRef idx="0">
-              <a:schemeClr val="accent1"/>
-            </a:effectRef>
-            <a:fontRef idx="minor">
-              <a:schemeClr val="lt1"/>
-            </a:fontRef>
-          </p:style>
-        </p:sp>
-        <p:grpSp>
-          <p:nvGrpSpPr>
-            <p:cNvPr id="15" name="그룹 67"/>
-            <p:cNvGrpSpPr/>
-            <p:nvPr/>
-          </p:nvGrpSpPr>
-          <p:grpSpPr>
-            <a:xfrm rot="0">
-              <a:off x="4954767" y="4367219"/>
-              <a:ext cx="1836000" cy="285752"/>
-              <a:chOff x="4954767" y="4367219"/>
-              <a:chExt cx="1836000" cy="285752"/>
-            </a:xfrm>
-          </p:grpSpPr>
-          <p:sp>
-            <p:nvSpPr>
-              <p:cNvPr id="41" name="직사각형 40"/>
-              <p:cNvSpPr/>
-              <p:nvPr/>
-            </p:nvSpPr>
-            <p:spPr>
-              <a:xfrm>
-                <a:off x="4954767" y="4367219"/>
-                <a:ext cx="1836000" cy="285752"/>
-              </a:xfrm>
-              <a:prstGeom prst="rect">
-                <a:avLst/>
-              </a:prstGeom>
-              <a:gradFill flip="none" rotWithShape="1">
-                <a:gsLst>
-                  <a:gs pos="0">
-                    <a:schemeClr val="bg2"/>
-                  </a:gs>
-                  <a:gs pos="100000">
-                    <a:schemeClr val="bg2">
-                      <a:lumMod val="50000"/>
-                    </a:schemeClr>
-                  </a:gs>
-                </a:gsLst>
-                <a:lin ang="5400000" scaled="1"/>
-                <a:tileRect/>
-              </a:gradFill>
-              <a:ln w="12700">
-                <a:solidFill>
-                  <a:schemeClr val="bg2"/>
-                </a:solidFill>
-              </a:ln>
-              <a:effectLst/>
-            </p:spPr>
-            <p:style>
-              <a:lnRef idx="2">
-                <a:schemeClr val="accent1">
-                  <a:shade val="50000"/>
-                </a:schemeClr>
-              </a:lnRef>
-              <a:fillRef idx="1">
-                <a:schemeClr val="accent1"/>
-              </a:fillRef>
-              <a:effectRef idx="0">
-                <a:schemeClr val="accent1"/>
-              </a:effectRef>
-              <a:fontRef idx="minor">
-                <a:schemeClr val="lt1"/>
-              </a:fontRef>
-            </p:style>
-          </p:sp>
-          <p:sp>
-            <p:nvSpPr>
-              <p:cNvPr id="40" name="직각 삼각형 39"/>
-              <p:cNvSpPr/>
-              <p:nvPr/>
-            </p:nvSpPr>
-            <p:spPr>
-              <a:xfrm rot="5400000">
-                <a:off x="5589766" y="3732220"/>
-                <a:ext cx="230200" cy="1500198"/>
-              </a:xfrm>
-              <a:prstGeom prst="rtTriangle">
-                <a:avLst/>
-              </a:prstGeom>
-              <a:gradFill>
-                <a:gsLst>
-                  <a:gs pos="0">
-                    <a:srgbClr val="ffffff">
-                      <a:alpha val="84710"/>
-                    </a:srgbClr>
-                  </a:gs>
-                  <a:gs pos="30000">
-                    <a:srgbClr val="ffffff">
-                      <a:alpha val="20000"/>
-                    </a:srgbClr>
-                  </a:gs>
-                  <a:gs pos="50000">
-                    <a:srgbClr val="ffffff">
-                      <a:alpha val="0"/>
-                    </a:srgbClr>
-                  </a:gs>
-                  <a:gs pos="100000">
-                    <a:srgbClr val="ffffff">
-                      <a:alpha val="0"/>
-                    </a:srgbClr>
-                  </a:gs>
-                </a:gsLst>
-                <a:lin ang="20400000" scaled="0"/>
-              </a:gradFill>
-              <a:ln>
-                <a:noFill/>
-              </a:ln>
-            </p:spPr>
-            <p:style>
-              <a:lnRef idx="2">
-                <a:schemeClr val="accent1">
-                  <a:shade val="50000"/>
-                </a:schemeClr>
-              </a:lnRef>
-              <a:fillRef idx="1">
-                <a:schemeClr val="accent1"/>
-              </a:fillRef>
-              <a:effectRef idx="0">
-                <a:schemeClr val="accent1"/>
-              </a:effectRef>
-              <a:fontRef idx="minor">
-                <a:schemeClr val="lt1"/>
-              </a:fontRef>
-            </p:style>
-          </p:sp>
-        </p:grpSp>
-      </p:grpSp>
-      <p:grpSp>
-        <p:nvGrpSpPr>
-          <p:cNvPr id="16" name="그룹 48"/>
-          <p:cNvGrpSpPr/>
-          <p:nvPr/>
-        </p:nvGrpSpPr>
-        <p:grpSpPr>
-          <a:xfrm rot="0">
-            <a:off x="8373948" y="4367219"/>
-            <a:ext cx="1836000" cy="1560813"/>
-            <a:chOff x="6849948" y="4367219"/>
-            <a:chExt cx="1836000" cy="1560813"/>
-          </a:xfrm>
-        </p:grpSpPr>
-        <p:sp>
-          <p:nvSpPr>
-            <p:cNvPr id="873" name="직사각형 872"/>
-            <p:cNvSpPr/>
-            <p:nvPr/>
-          </p:nvSpPr>
-          <p:spPr>
-            <a:xfrm>
-              <a:off x="6849948" y="4588832"/>
-              <a:ext cx="1836000" cy="1339200"/>
-            </a:xfrm>
-            <a:prstGeom prst="rect">
-              <a:avLst/>
-            </a:prstGeom>
-            <a:solidFill>
-              <a:schemeClr val="tx1"/>
-            </a:solidFill>
-            <a:ln w="12700">
-              <a:solidFill>
-                <a:schemeClr val="bg2"/>
-              </a:solidFill>
-            </a:ln>
-          </p:spPr>
-          <p:style>
-            <a:lnRef idx="2">
-              <a:schemeClr val="accent1">
-                <a:shade val="50000"/>
-              </a:schemeClr>
-            </a:lnRef>
-            <a:fillRef idx="1">
-              <a:schemeClr val="accent1"/>
-            </a:fillRef>
-            <a:effectRef idx="0">
-              <a:schemeClr val="accent1"/>
-            </a:effectRef>
-            <a:fontRef idx="minor">
-              <a:schemeClr val="lt1"/>
-            </a:fontRef>
-          </p:style>
-        </p:sp>
-        <p:grpSp>
-          <p:nvGrpSpPr>
-            <p:cNvPr id="17" name="그룹 68"/>
-            <p:cNvGrpSpPr/>
-            <p:nvPr/>
-          </p:nvGrpSpPr>
-          <p:grpSpPr>
-            <a:xfrm rot="0">
-              <a:off x="6849948" y="4367219"/>
-              <a:ext cx="1836000" cy="285752"/>
-              <a:chOff x="6849948" y="4367219"/>
-              <a:chExt cx="1836000" cy="285752"/>
-            </a:xfrm>
-          </p:grpSpPr>
-          <p:sp>
-            <p:nvSpPr>
-              <p:cNvPr id="44" name="직사각형 43"/>
-              <p:cNvSpPr/>
-              <p:nvPr/>
-            </p:nvSpPr>
-            <p:spPr>
-              <a:xfrm>
-                <a:off x="6849948" y="4367219"/>
-                <a:ext cx="1836000" cy="285752"/>
-              </a:xfrm>
-              <a:prstGeom prst="rect">
-                <a:avLst/>
-              </a:prstGeom>
-              <a:gradFill flip="none" rotWithShape="1">
-                <a:gsLst>
-                  <a:gs pos="0">
-                    <a:schemeClr val="bg2"/>
-                  </a:gs>
-                  <a:gs pos="100000">
-                    <a:schemeClr val="bg2">
-                      <a:lumMod val="50000"/>
-                    </a:schemeClr>
-                  </a:gs>
-                </a:gsLst>
-                <a:lin ang="5400000" scaled="1"/>
-                <a:tileRect/>
-              </a:gradFill>
-              <a:ln w="12700">
-                <a:solidFill>
-                  <a:schemeClr val="bg2"/>
-                </a:solidFill>
-              </a:ln>
-              <a:effectLst/>
-            </p:spPr>
-            <p:style>
-              <a:lnRef idx="2">
-                <a:schemeClr val="accent1">
-                  <a:shade val="50000"/>
-                </a:schemeClr>
-              </a:lnRef>
-              <a:fillRef idx="1">
-                <a:schemeClr val="accent1"/>
-              </a:fillRef>
-              <a:effectRef idx="0">
-                <a:schemeClr val="accent1"/>
-              </a:effectRef>
-              <a:fontRef idx="minor">
-                <a:schemeClr val="lt1"/>
-              </a:fontRef>
-            </p:style>
-          </p:sp>
-          <p:sp>
-            <p:nvSpPr>
-              <p:cNvPr id="42" name="직각 삼각형 41"/>
-              <p:cNvSpPr/>
-              <p:nvPr/>
-            </p:nvSpPr>
-            <p:spPr>
-              <a:xfrm rot="5400000">
-                <a:off x="7484947" y="3732220"/>
-                <a:ext cx="230200" cy="1500198"/>
-              </a:xfrm>
-              <a:prstGeom prst="rtTriangle">
-                <a:avLst/>
-              </a:prstGeom>
-              <a:gradFill>
-                <a:gsLst>
-                  <a:gs pos="0">
-                    <a:srgbClr val="ffffff">
-                      <a:alpha val="84710"/>
-                    </a:srgbClr>
-                  </a:gs>
-                  <a:gs pos="30000">
-                    <a:srgbClr val="ffffff">
-                      <a:alpha val="20000"/>
-                    </a:srgbClr>
-                  </a:gs>
-                  <a:gs pos="50000">
-                    <a:srgbClr val="ffffff">
-                      <a:alpha val="0"/>
-                    </a:srgbClr>
-                  </a:gs>
-                  <a:gs pos="100000">
-                    <a:srgbClr val="ffffff">
-                      <a:alpha val="0"/>
-                    </a:srgbClr>
-                  </a:gs>
-                </a:gsLst>
-                <a:lin ang="20400000" scaled="0"/>
-              </a:gradFill>
-              <a:ln>
-                <a:noFill/>
-              </a:ln>
-            </p:spPr>
-            <p:style>
-              <a:lnRef idx="2">
-                <a:schemeClr val="accent1">
-                  <a:shade val="50000"/>
-                </a:schemeClr>
-              </a:lnRef>
-              <a:fillRef idx="1">
-                <a:schemeClr val="accent1"/>
-              </a:fillRef>
-              <a:effectRef idx="0">
-                <a:schemeClr val="accent1"/>
-              </a:effectRef>
-              <a:fontRef idx="minor">
-                <a:schemeClr val="lt1"/>
-              </a:fontRef>
-            </p:style>
-          </p:sp>
-        </p:grpSp>
-      </p:grpSp>
-      <p:grpSp>
-        <p:nvGrpSpPr>
-          <p:cNvPr id="18" name="그룹 75"/>
-          <p:cNvGrpSpPr/>
-          <p:nvPr/>
-        </p:nvGrpSpPr>
-        <p:grpSpPr>
-          <a:xfrm rot="0">
-            <a:off x="1867058" y="1854506"/>
-            <a:ext cx="2500330" cy="1571636"/>
-            <a:chOff x="343058" y="1854506"/>
-            <a:chExt cx="2500330" cy="1571636"/>
-          </a:xfrm>
-          <a:effectLst>
-            <a:reflection blurRad="6350" stA="52000" endA="300" endPos="35000" dir="5400000" sy="-100000" algn="bl" rotWithShape="0"/>
-          </a:effectLst>
-        </p:grpSpPr>
-        <p:sp>
-          <p:nvSpPr>
-            <p:cNvPr id="7" name="한쪽 모서리가 잘린 사각형 6"/>
-            <p:cNvSpPr/>
-            <p:nvPr/>
-          </p:nvSpPr>
-          <p:spPr>
-            <a:xfrm>
-              <a:off x="343058" y="1854506"/>
-              <a:ext cx="2500330" cy="1571636"/>
-            </a:xfrm>
-            <a:prstGeom prst="snip1Rect">
-              <a:avLst>
-                <a:gd name="adj" fmla="val 16667"/>
-              </a:avLst>
-            </a:prstGeom>
-            <a:gradFill>
-              <a:gsLst>
-                <a:gs pos="0">
-                  <a:schemeClr val="accent3">
-                    <a:lumMod val="60000"/>
-                    <a:lumOff val="40000"/>
-                  </a:schemeClr>
-                </a:gs>
-                <a:gs pos="100000">
-                  <a:schemeClr val="accent3"/>
-                </a:gs>
-              </a:gsLst>
-              <a:lin ang="5400000" scaled="0"/>
-            </a:gradFill>
-            <a:ln w="12700">
-              <a:noFill/>
-            </a:ln>
-            <a:effectLst/>
-          </p:spPr>
-          <p:style>
-            <a:lnRef idx="2">
-              <a:schemeClr val="accent1">
-                <a:shade val="50000"/>
-              </a:schemeClr>
-            </a:lnRef>
-            <a:fillRef idx="1">
-              <a:schemeClr val="accent1"/>
-            </a:fillRef>
-            <a:effectRef idx="0">
-              <a:schemeClr val="accent1"/>
-            </a:effectRef>
-            <a:fontRef idx="minor">
-              <a:schemeClr val="lt1"/>
-            </a:fontRef>
-          </p:style>
-          <p:txBody>
-            <a:bodyPr anchor="ctr"/>
-            <a:lstStyle/>
-            <a:p>
-              <a:pPr lvl="0" algn="ctr">
-                <a:defRPr/>
-              </a:pPr>
-              <a:r>
-                <a:rPr lang="ko-KR" altLang="en-US" sz="2400">
-                  <a:solidFill>
-                    <a:srgbClr val="434343">
-                      <a:lumMod val="20000"/>
-                      <a:lumOff val="80000"/>
-                    </a:srgbClr>
-                  </a:solidFill>
-                </a:rPr>
-                <a:t>내용</a:t>
-              </a:r>
-              <a:endParaRPr lang="ko-KR" altLang="en-US" sz="2400">
-                <a:solidFill>
-                  <a:srgbClr val="434343">
-                    <a:lumMod val="20000"/>
-                    <a:lumOff val="80000"/>
-                  </a:srgbClr>
-                </a:solidFill>
-              </a:endParaRPr>
-            </a:p>
-          </p:txBody>
-        </p:sp>
-        <p:sp>
-          <p:nvSpPr>
-            <p:cNvPr id="26" name="직각 삼각형 25"/>
-            <p:cNvSpPr/>
-            <p:nvPr/>
-          </p:nvSpPr>
-          <p:spPr>
-            <a:xfrm rot="5400000">
-              <a:off x="1299911" y="897655"/>
-              <a:ext cx="574360" cy="2488065"/>
-            </a:xfrm>
-            <a:prstGeom prst="rtTriangle">
-              <a:avLst/>
-            </a:prstGeom>
-            <a:gradFill>
-              <a:gsLst>
-                <a:gs pos="0">
-                  <a:srgbClr val="ffffff">
-                    <a:alpha val="84710"/>
-                  </a:srgbClr>
-                </a:gs>
-                <a:gs pos="30000">
-                  <a:srgbClr val="ffffff">
-                    <a:alpha val="20000"/>
-                  </a:srgbClr>
-                </a:gs>
-                <a:gs pos="50000">
-                  <a:srgbClr val="ffffff">
-                    <a:alpha val="0"/>
-                  </a:srgbClr>
-                </a:gs>
-                <a:gs pos="100000">
-                  <a:srgbClr val="ffffff">
-                    <a:alpha val="0"/>
-                  </a:srgbClr>
-                </a:gs>
-              </a:gsLst>
-              <a:lin ang="20400000" scaled="0"/>
-            </a:gradFill>
-            <a:ln>
-              <a:noFill/>
-            </a:ln>
-          </p:spPr>
-          <p:style>
-            <a:lnRef idx="2">
-              <a:schemeClr val="accent1">
-                <a:shade val="50000"/>
-              </a:schemeClr>
-            </a:lnRef>
-            <a:fillRef idx="1">
-              <a:schemeClr val="accent1"/>
-            </a:fillRef>
-            <a:effectRef idx="0">
-              <a:schemeClr val="accent1"/>
-            </a:effectRef>
-            <a:fontRef idx="minor">
-              <a:schemeClr val="lt1"/>
-            </a:fontRef>
-          </p:style>
-        </p:sp>
-      </p:grpSp>
-      <p:grpSp>
-        <p:nvGrpSpPr>
-          <p:cNvPr id="19" name="그룹 76"/>
-          <p:cNvGrpSpPr/>
-          <p:nvPr/>
-        </p:nvGrpSpPr>
-        <p:grpSpPr>
-          <a:xfrm rot="0">
-            <a:off x="1875525" y="4357694"/>
-            <a:ext cx="2504245" cy="1571636"/>
-            <a:chOff x="351525" y="4357694"/>
-            <a:chExt cx="2504245" cy="1571636"/>
-          </a:xfrm>
-          <a:effectLst>
-            <a:reflection blurRad="6350" stA="52000" endA="300" endPos="35000" dir="5400000" sy="-100000" algn="bl" rotWithShape="0"/>
-          </a:effectLst>
-        </p:grpSpPr>
-        <p:sp>
-          <p:nvSpPr>
-            <p:cNvPr id="11" name="한쪽 모서리가 잘린 사각형 10"/>
-            <p:cNvSpPr/>
-            <p:nvPr/>
-          </p:nvSpPr>
-          <p:spPr>
-            <a:xfrm>
-              <a:off x="355440" y="4357694"/>
-              <a:ext cx="2500330" cy="1571636"/>
-            </a:xfrm>
-            <a:prstGeom prst="snip1Rect">
-              <a:avLst>
-                <a:gd name="adj" fmla="val 16667"/>
-              </a:avLst>
-            </a:prstGeom>
-            <a:gradFill flip="none" rotWithShape="1">
-              <a:gsLst>
-                <a:gs pos="0">
-                  <a:schemeClr val="bg2"/>
-                </a:gs>
-                <a:gs pos="100000">
-                  <a:schemeClr val="bg2">
-                    <a:lumMod val="50000"/>
-                  </a:schemeClr>
-                </a:gs>
-              </a:gsLst>
-              <a:lin ang="5400000" scaled="1"/>
-              <a:tileRect/>
-            </a:gradFill>
-            <a:ln w="3175">
-              <a:noFill/>
-            </a:ln>
-            <a:effectLst/>
-          </p:spPr>
-          <p:style>
-            <a:lnRef idx="2">
-              <a:schemeClr val="accent1">
-                <a:shade val="50000"/>
-              </a:schemeClr>
-            </a:lnRef>
-            <a:fillRef idx="1">
-              <a:schemeClr val="accent1"/>
-            </a:fillRef>
-            <a:effectRef idx="0">
-              <a:schemeClr val="accent1"/>
-            </a:effectRef>
-            <a:fontRef idx="minor">
-              <a:schemeClr val="lt1"/>
-            </a:fontRef>
-          </p:style>
-          <p:txBody>
-            <a:bodyPr anchor="ctr"/>
-            <a:lstStyle/>
-            <a:p>
-              <a:pPr lvl="0" algn="ctr">
-                <a:defRPr/>
-              </a:pPr>
-              <a:r>
-                <a:rPr lang="ko-KR" altLang="en-US" sz="2400">
-                  <a:solidFill>
-                    <a:srgbClr val="466991">
-                      <a:lumMod val="20000"/>
-                      <a:lumOff val="80000"/>
-                    </a:srgbClr>
-                  </a:solidFill>
-                </a:rPr>
-                <a:t>내용</a:t>
-              </a:r>
-              <a:endParaRPr lang="ko-KR" altLang="en-US" sz="2400">
-                <a:solidFill>
-                  <a:srgbClr val="466991">
-                    <a:lumMod val="20000"/>
-                    <a:lumOff val="80000"/>
-                  </a:srgbClr>
-                </a:solidFill>
-              </a:endParaRPr>
-            </a:p>
-          </p:txBody>
-        </p:sp>
-        <p:sp>
-          <p:nvSpPr>
-            <p:cNvPr id="28" name="직각 삼각형 27"/>
-            <p:cNvSpPr/>
-            <p:nvPr/>
-          </p:nvSpPr>
-          <p:spPr>
-            <a:xfrm rot="5400000">
-              <a:off x="1308378" y="3400841"/>
-              <a:ext cx="574360" cy="2488065"/>
-            </a:xfrm>
-            <a:prstGeom prst="rtTriangle">
-              <a:avLst/>
-            </a:prstGeom>
-            <a:gradFill>
-              <a:gsLst>
-                <a:gs pos="0">
-                  <a:srgbClr val="ffffff">
-                    <a:alpha val="84710"/>
-                  </a:srgbClr>
-                </a:gs>
-                <a:gs pos="30000">
-                  <a:srgbClr val="ffffff">
-                    <a:alpha val="20000"/>
-                  </a:srgbClr>
-                </a:gs>
-                <a:gs pos="50000">
-                  <a:srgbClr val="ffffff">
-                    <a:alpha val="0"/>
-                  </a:srgbClr>
-                </a:gs>
-                <a:gs pos="100000">
-                  <a:srgbClr val="ffffff">
-                    <a:alpha val="0"/>
-                  </a:srgbClr>
-                </a:gs>
-              </a:gsLst>
-              <a:lin ang="20400000" scaled="0"/>
-            </a:gradFill>
-            <a:ln>
-              <a:noFill/>
-            </a:ln>
-          </p:spPr>
-          <p:style>
-            <a:lnRef idx="2">
-              <a:schemeClr val="accent1">
-                <a:shade val="50000"/>
-              </a:schemeClr>
-            </a:lnRef>
-            <a:fillRef idx="1">
-              <a:schemeClr val="accent1"/>
-            </a:fillRef>
-            <a:effectRef idx="0">
-              <a:schemeClr val="accent1"/>
-            </a:effectRef>
-            <a:fontRef idx="minor">
-              <a:schemeClr val="lt1"/>
-            </a:fontRef>
-          </p:style>
-        </p:sp>
-      </p:grpSp>
-    </p:spTree>
-    <p:extLst>
-      <p:ext uri="{BB962C8B-B14F-4D97-AF65-F5344CB8AC3E}">
-        <p14:creationId xmlns:p14="http://schemas.microsoft.com/office/powerpoint/2010/main" val="1643075793"/>
-      </p:ext>
-    </p:extLst>
-  </p:cSld>
-  <p:clrMapOvr>
-    <a:masterClrMapping/>
-  </p:clrMapOvr>
-</p:sld>
-</file>
-
 <file path=ppt/theme/theme1.xml><?xml version="1.0" encoding="utf-8"?>
 <a:theme xmlns:r="http://schemas.openxmlformats.org/officeDocument/2006/relationships" xmlns:c="http://schemas.openxmlformats.org/drawingml/2006/chart" xmlns:dgm="http://schemas.openxmlformats.org/drawingml/2006/diagram" xmlns:dsp="http://schemas.microsoft.com/office/drawing/2008/diagram" xmlns:a="http://schemas.openxmlformats.org/drawingml/2006/main" xmlns:pic="http://schemas.openxmlformats.org/drawingml/2006/picture" xmlns:wp="http://schemas.openxmlformats.org/drawingml/2006/wordprocessingDrawing" xmlns:xdr="http://schemas.openxmlformats.org/drawingml/2006/spreadsheetDrawing" xmlns:lc="http://schemas.openxmlformats.org/drawingml/2006/lockedCanvas" xmlns:p="http://schemas.openxmlformats.org/presentationml/2006/main" name="무중력">
   <a:themeElements>
